--- a/Abbildungen/Pixart Kopie 2.pptx
+++ b/Abbildungen/Pixart Kopie 2.pptx
@@ -197,7 +197,7 @@
           <a:p>
             <a:fld id="{91D67A7C-5EE8-E246-8DB3-90FEFD482A1D}" type="datetimeFigureOut">
               <a:rPr lang="en-GB" smtClean="0"/>
-              <a:t>29/12/2025</a:t>
+              <a:t>05/01/2026</a:t>
             </a:fld>
             <a:endParaRPr lang="en-GB"/>
           </a:p>
@@ -712,7 +712,7 @@
           <a:p>
             <a:fld id="{A5C4C0D9-76FE-0B45-8557-3E9D7B7ECFCA}" type="datetimeFigureOut">
               <a:rPr lang="en-GB" smtClean="0"/>
-              <a:t>29/12/2025</a:t>
+              <a:t>05/01/2026</a:t>
             </a:fld>
             <a:endParaRPr lang="en-GB"/>
           </a:p>
@@ -882,7 +882,7 @@
           <a:p>
             <a:fld id="{A5C4C0D9-76FE-0B45-8557-3E9D7B7ECFCA}" type="datetimeFigureOut">
               <a:rPr lang="en-GB" smtClean="0"/>
-              <a:t>29/12/2025</a:t>
+              <a:t>05/01/2026</a:t>
             </a:fld>
             <a:endParaRPr lang="en-GB"/>
           </a:p>
@@ -1062,7 +1062,7 @@
           <a:p>
             <a:fld id="{A5C4C0D9-76FE-0B45-8557-3E9D7B7ECFCA}" type="datetimeFigureOut">
               <a:rPr lang="en-GB" smtClean="0"/>
-              <a:t>29/12/2025</a:t>
+              <a:t>05/01/2026</a:t>
             </a:fld>
             <a:endParaRPr lang="en-GB"/>
           </a:p>
@@ -1232,7 +1232,7 @@
           <a:p>
             <a:fld id="{A5C4C0D9-76FE-0B45-8557-3E9D7B7ECFCA}" type="datetimeFigureOut">
               <a:rPr lang="en-GB" smtClean="0"/>
-              <a:t>29/12/2025</a:t>
+              <a:t>05/01/2026</a:t>
             </a:fld>
             <a:endParaRPr lang="en-GB"/>
           </a:p>
@@ -1478,7 +1478,7 @@
           <a:p>
             <a:fld id="{A5C4C0D9-76FE-0B45-8557-3E9D7B7ECFCA}" type="datetimeFigureOut">
               <a:rPr lang="en-GB" smtClean="0"/>
-              <a:t>29/12/2025</a:t>
+              <a:t>05/01/2026</a:t>
             </a:fld>
             <a:endParaRPr lang="en-GB"/>
           </a:p>
@@ -1710,7 +1710,7 @@
           <a:p>
             <a:fld id="{A5C4C0D9-76FE-0B45-8557-3E9D7B7ECFCA}" type="datetimeFigureOut">
               <a:rPr lang="en-GB" smtClean="0"/>
-              <a:t>29/12/2025</a:t>
+              <a:t>05/01/2026</a:t>
             </a:fld>
             <a:endParaRPr lang="en-GB"/>
           </a:p>
@@ -2077,7 +2077,7 @@
           <a:p>
             <a:fld id="{A5C4C0D9-76FE-0B45-8557-3E9D7B7ECFCA}" type="datetimeFigureOut">
               <a:rPr lang="en-GB" smtClean="0"/>
-              <a:t>29/12/2025</a:t>
+              <a:t>05/01/2026</a:t>
             </a:fld>
             <a:endParaRPr lang="en-GB"/>
           </a:p>
@@ -2195,7 +2195,7 @@
           <a:p>
             <a:fld id="{A5C4C0D9-76FE-0B45-8557-3E9D7B7ECFCA}" type="datetimeFigureOut">
               <a:rPr lang="en-GB" smtClean="0"/>
-              <a:t>29/12/2025</a:t>
+              <a:t>05/01/2026</a:t>
             </a:fld>
             <a:endParaRPr lang="en-GB"/>
           </a:p>
@@ -2290,7 +2290,7 @@
           <a:p>
             <a:fld id="{A5C4C0D9-76FE-0B45-8557-3E9D7B7ECFCA}" type="datetimeFigureOut">
               <a:rPr lang="en-GB" smtClean="0"/>
-              <a:t>29/12/2025</a:t>
+              <a:t>05/01/2026</a:t>
             </a:fld>
             <a:endParaRPr lang="en-GB"/>
           </a:p>
@@ -2567,7 +2567,7 @@
           <a:p>
             <a:fld id="{A5C4C0D9-76FE-0B45-8557-3E9D7B7ECFCA}" type="datetimeFigureOut">
               <a:rPr lang="en-GB" smtClean="0"/>
-              <a:t>29/12/2025</a:t>
+              <a:t>05/01/2026</a:t>
             </a:fld>
             <a:endParaRPr lang="en-GB"/>
           </a:p>
@@ -2824,7 +2824,7 @@
           <a:p>
             <a:fld id="{A5C4C0D9-76FE-0B45-8557-3E9D7B7ECFCA}" type="datetimeFigureOut">
               <a:rPr lang="en-GB" smtClean="0"/>
-              <a:t>29/12/2025</a:t>
+              <a:t>05/01/2026</a:t>
             </a:fld>
             <a:endParaRPr lang="en-GB"/>
           </a:p>
@@ -3037,7 +3037,7 @@
           <a:p>
             <a:fld id="{A5C4C0D9-76FE-0B45-8557-3E9D7B7ECFCA}" type="datetimeFigureOut">
               <a:rPr lang="en-GB" smtClean="0"/>
-              <a:t>29/12/2025</a:t>
+              <a:t>05/01/2026</a:t>
             </a:fld>
             <a:endParaRPr lang="en-GB"/>
           </a:p>
@@ -4272,13 +4272,18 @@
               <a:p>
                 <a:pPr algn="ctr"/>
                 <a:r>
-                  <a:rPr lang="en-GB" sz="1600" dirty="0">
+                  <a:rPr lang="en-GB" sz="1600">
                     <a:solidFill>
                       <a:schemeClr val="tx1"/>
                     </a:solidFill>
                   </a:rPr>
-                  <a:t>Positional Embedding</a:t>
+                  <a:t>Positional Encoding</a:t>
                 </a:r>
+                <a:endParaRPr lang="en-GB" sz="1600" dirty="0">
+                  <a:solidFill>
+                    <a:schemeClr val="tx1"/>
+                  </a:solidFill>
+                </a:endParaRPr>
               </a:p>
             </p:txBody>
           </p:sp>
@@ -5558,8 +5563,8 @@
           </p:nvSpPr>
           <p:spPr>
             <a:xfrm rot="16200000">
-              <a:off x="2432290" y="3639600"/>
-              <a:ext cx="1015021" cy="276999"/>
+              <a:off x="2432200" y="3639600"/>
+              <a:ext cx="1015200" cy="276999"/>
             </a:xfrm>
             <a:prstGeom prst="rect">
               <a:avLst/>
@@ -6091,8 +6096,8 @@
           </p:nvSpPr>
           <p:spPr>
             <a:xfrm rot="16200000">
-              <a:off x="1687588" y="1464857"/>
-              <a:ext cx="726481" cy="276999"/>
+              <a:off x="1687228" y="1465200"/>
+              <a:ext cx="727200" cy="276999"/>
             </a:xfrm>
             <a:prstGeom prst="rect">
               <a:avLst/>
@@ -6126,8 +6131,8 @@
           </p:nvSpPr>
           <p:spPr>
             <a:xfrm rot="16200000">
-              <a:off x="976084" y="1589618"/>
-              <a:ext cx="356188" cy="276999"/>
+              <a:off x="790578" y="1465200"/>
+              <a:ext cx="727200" cy="276999"/>
             </a:xfrm>
             <a:prstGeom prst="rect">
               <a:avLst/>
@@ -6161,8 +6166,8 @@
           </p:nvSpPr>
           <p:spPr>
             <a:xfrm rot="16200000">
-              <a:off x="1659869" y="3639600"/>
-              <a:ext cx="644728" cy="276999"/>
+              <a:off x="1474633" y="3639600"/>
+              <a:ext cx="1015200" cy="276999"/>
             </a:xfrm>
             <a:prstGeom prst="rect">
               <a:avLst/>
